--- a/Proyectos/2015/Métricas y monitoreo/Reporte_monitoreo_160105.pptx
+++ b/Proyectos/2015/Métricas y monitoreo/Reporte_monitoreo_160105.pptx
@@ -34,7 +34,7 @@
 </p:presentation>
 </file>
 
-<file path=ppt/charts/chart1.xml><?xml version="1.0" encoding="utf-8"?>
+<file path=ppt/charts/chart13.xml><?xml version="1.0" encoding="utf-8"?>
 <c:chartSpace xmlns:c="http://schemas.openxmlformats.org/drawingml/2006/chart" xmlns:a="http://schemas.openxmlformats.org/drawingml/2006/main" xmlns:r="http://schemas.openxmlformats.org/officeDocument/2006/relationships">
   <c:lang val="en-US"/>
   <c:chart>
@@ -111,11 +111,11 @@
         </c:ser>
         <c:gapWidth val="150"/>
         <c:overlap val="0"/>
-        <c:axId val="95682692"/>
-        <c:axId val="43242571"/>
+        <c:axId val="28111205"/>
+        <c:axId val="85150822"/>
       </c:barChart>
       <c:catAx>
-        <c:axId val="95682692"/>
+        <c:axId val="28111205"/>
         <c:scaling>
           <c:orientation val="minMax"/>
         </c:scaling>
@@ -132,14 +132,14 @@
             <a:round/>
           </a:ln>
         </c:spPr>
-        <c:crossAx val="43242571"/>
+        <c:crossAx val="85150822"/>
         <c:crosses val="autoZero"/>
         <c:auto val="1"/>
         <c:lblAlgn val="ctr"/>
         <c:lblOffset val="100"/>
       </c:catAx>
       <c:valAx>
-        <c:axId val="43242571"/>
+        <c:axId val="85150822"/>
         <c:scaling>
           <c:orientation val="minMax"/>
           <c:max val="1"/>
@@ -167,7 +167,7 @@
             <a:round/>
           </a:ln>
         </c:spPr>
-        <c:crossAx val="95682692"/>
+        <c:crossAx val="28111205"/>
         <c:crosses val="autoZero"/>
       </c:valAx>
       <c:dTable>
@@ -197,7 +197,7 @@
 </c:chartSpace>
 </file>
 
-<file path=ppt/charts/chart2.xml><?xml version="1.0" encoding="utf-8"?>
+<file path=ppt/charts/chart14.xml><?xml version="1.0" encoding="utf-8"?>
 <c:chartSpace xmlns:c="http://schemas.openxmlformats.org/drawingml/2006/chart" xmlns:a="http://schemas.openxmlformats.org/drawingml/2006/main" xmlns:r="http://schemas.openxmlformats.org/officeDocument/2006/relationships">
   <c:lang val="en-US"/>
   <c:chart>
@@ -274,11 +274,11 @@
         </c:ser>
         <c:gapWidth val="150"/>
         <c:overlap val="0"/>
-        <c:axId val="43934652"/>
-        <c:axId val="83258327"/>
+        <c:axId val="3924089"/>
+        <c:axId val="5802403"/>
       </c:barChart>
       <c:catAx>
-        <c:axId val="43934652"/>
+        <c:axId val="3924089"/>
         <c:scaling>
           <c:orientation val="minMax"/>
         </c:scaling>
@@ -295,14 +295,14 @@
             <a:round/>
           </a:ln>
         </c:spPr>
-        <c:crossAx val="83258327"/>
+        <c:crossAx val="5802403"/>
         <c:crosses val="autoZero"/>
         <c:auto val="1"/>
         <c:lblAlgn val="ctr"/>
         <c:lblOffset val="100"/>
       </c:catAx>
       <c:valAx>
-        <c:axId val="83258327"/>
+        <c:axId val="5802403"/>
         <c:scaling>
           <c:orientation val="minMax"/>
           <c:max val="1"/>
@@ -330,7 +330,7 @@
             <a:round/>
           </a:ln>
         </c:spPr>
-        <c:crossAx val="43934652"/>
+        <c:crossAx val="3924089"/>
         <c:crosses val="autoZero"/>
       </c:valAx>
       <c:dTable>
@@ -360,7 +360,7 @@
 </c:chartSpace>
 </file>
 
-<file path=ppt/charts/chart3.xml><?xml version="1.0" encoding="utf-8"?>
+<file path=ppt/charts/chart15.xml><?xml version="1.0" encoding="utf-8"?>
 <c:chartSpace xmlns:c="http://schemas.openxmlformats.org/drawingml/2006/chart" xmlns:a="http://schemas.openxmlformats.org/drawingml/2006/main" xmlns:r="http://schemas.openxmlformats.org/officeDocument/2006/relationships">
   <c:lang val="en-US"/>
   <c:chart>
@@ -449,11 +449,11 @@
         </c:ser>
         <c:gapWidth val="150"/>
         <c:overlap val="0"/>
-        <c:axId val="90815564"/>
-        <c:axId val="54652980"/>
+        <c:axId val="65034324"/>
+        <c:axId val="26116003"/>
       </c:barChart>
       <c:catAx>
-        <c:axId val="90815564"/>
+        <c:axId val="65034324"/>
         <c:scaling>
           <c:orientation val="minMax"/>
         </c:scaling>
@@ -470,14 +470,14 @@
             <a:round/>
           </a:ln>
         </c:spPr>
-        <c:crossAx val="54652980"/>
+        <c:crossAx val="26116003"/>
         <c:crosses val="autoZero"/>
         <c:auto val="1"/>
         <c:lblAlgn val="ctr"/>
         <c:lblOffset val="100"/>
       </c:catAx>
       <c:valAx>
-        <c:axId val="54652980"/>
+        <c:axId val="26116003"/>
         <c:scaling>
           <c:orientation val="minMax"/>
           <c:max val="1"/>
@@ -505,7 +505,7 @@
             <a:round/>
           </a:ln>
         </c:spPr>
-        <c:crossAx val="90815564"/>
+        <c:crossAx val="65034324"/>
         <c:crosses val="autoZero"/>
       </c:valAx>
       <c:dTable>
@@ -535,7 +535,7 @@
 </c:chartSpace>
 </file>
 
-<file path=ppt/charts/chart4.xml><?xml version="1.0" encoding="utf-8"?>
+<file path=ppt/charts/chart16.xml><?xml version="1.0" encoding="utf-8"?>
 <c:chartSpace xmlns:c="http://schemas.openxmlformats.org/drawingml/2006/chart" xmlns:a="http://schemas.openxmlformats.org/drawingml/2006/main" xmlns:r="http://schemas.openxmlformats.org/officeDocument/2006/relationships">
   <c:lang val="en-US"/>
   <c:chart>
@@ -647,11 +647,11 @@
         </c:ser>
         <c:gapWidth val="150"/>
         <c:overlap val="0"/>
-        <c:axId val="56896326"/>
-        <c:axId val="44309919"/>
+        <c:axId val="11970311"/>
+        <c:axId val="57124635"/>
       </c:barChart>
       <c:catAx>
-        <c:axId val="56896326"/>
+        <c:axId val="11970311"/>
         <c:scaling>
           <c:orientation val="minMax"/>
         </c:scaling>
@@ -668,14 +668,14 @@
             <a:round/>
           </a:ln>
         </c:spPr>
-        <c:crossAx val="44309919"/>
+        <c:crossAx val="57124635"/>
         <c:crosses val="autoZero"/>
         <c:auto val="1"/>
         <c:lblAlgn val="ctr"/>
         <c:lblOffset val="100"/>
       </c:catAx>
       <c:valAx>
-        <c:axId val="44309919"/>
+        <c:axId val="57124635"/>
         <c:scaling>
           <c:orientation val="minMax"/>
         </c:scaling>
@@ -702,7 +702,7 @@
             <a:round/>
           </a:ln>
         </c:spPr>
-        <c:crossAx val="56896326"/>
+        <c:crossAx val="11970311"/>
         <c:crosses val="autoZero"/>
       </c:valAx>
       <c:spPr>
@@ -7830,9 +7830,33 @@
                   <a:tcPr/>
                 </a:tc>
                 <a:tc>
-                  <a:tcPr/>
-                </a:tc>
-                <a:tc>
+                  <a:txBody>
+                    <a:bodyPr/>
+                    <a:p>
+                      <a:r>
+                        <a:rPr lang="es-MX">
+                          <a:latin typeface="Arial"/>
+                        </a:rPr>
+                        <a:t>30/11/2015</a:t>
+                      </a:r>
+                      <a:endParaRPr/>
+                    </a:p>
+                  </a:txBody>
+                  <a:tcPr/>
+                </a:tc>
+                <a:tc>
+                  <a:txBody>
+                    <a:bodyPr/>
+                    <a:p>
+                      <a:r>
+                        <a:rPr lang="es-MX">
+                          <a:latin typeface="Arial"/>
+                        </a:rPr>
+                        <a:t>30/11/2015</a:t>
+                      </a:r>
+                      <a:endParaRPr/>
+                    </a:p>
+                  </a:txBody>
                   <a:tcPr/>
                 </a:tc>
               </a:tr>
@@ -7853,9 +7877,33 @@
                   <a:tcPr/>
                 </a:tc>
                 <a:tc>
-                  <a:tcPr/>
-                </a:tc>
-                <a:tc>
+                  <a:txBody>
+                    <a:bodyPr/>
+                    <a:p>
+                      <a:r>
+                        <a:rPr lang="es-MX">
+                          <a:latin typeface="Arial"/>
+                        </a:rPr>
+                        <a:t>28/12/2015</a:t>
+                      </a:r>
+                      <a:endParaRPr/>
+                    </a:p>
+                  </a:txBody>
+                  <a:tcPr/>
+                </a:tc>
+                <a:tc>
+                  <a:txBody>
+                    <a:bodyPr/>
+                    <a:p>
+                      <a:r>
+                        <a:rPr lang="es-MX">
+                          <a:latin typeface="Arial"/>
+                        </a:rPr>
+                        <a:t>28/12/2015</a:t>
+                      </a:r>
+                      <a:endParaRPr/>
+                    </a:p>
+                  </a:txBody>
                   <a:tcPr/>
                 </a:tc>
               </a:tr>
@@ -7876,9 +7924,33 @@
                   <a:tcPr/>
                 </a:tc>
                 <a:tc>
-                  <a:tcPr/>
-                </a:tc>
-                <a:tc>
+                  <a:txBody>
+                    <a:bodyPr/>
+                    <a:p>
+                      <a:r>
+                        <a:rPr lang="es-MX">
+                          <a:latin typeface="Arial"/>
+                        </a:rPr>
+                        <a:t>22/12/2015</a:t>
+                      </a:r>
+                      <a:endParaRPr/>
+                    </a:p>
+                  </a:txBody>
+                  <a:tcPr/>
+                </a:tc>
+                <a:tc>
+                  <a:txBody>
+                    <a:bodyPr/>
+                    <a:p>
+                      <a:r>
+                        <a:rPr lang="es-MX">
+                          <a:latin typeface="Arial"/>
+                        </a:rPr>
+                        <a:t>22/12/2015</a:t>
+                      </a:r>
+                      <a:endParaRPr/>
+                    </a:p>
+                  </a:txBody>
                   <a:tcPr/>
                 </a:tc>
               </a:tr>
@@ -7899,9 +7971,33 @@
                   <a:tcPr/>
                 </a:tc>
                 <a:tc>
-                  <a:tcPr/>
-                </a:tc>
-                <a:tc>
+                  <a:txBody>
+                    <a:bodyPr/>
+                    <a:p>
+                      <a:r>
+                        <a:rPr lang="es-MX">
+                          <a:latin typeface="Arial"/>
+                        </a:rPr>
+                        <a:t>30/11/2015</a:t>
+                      </a:r>
+                      <a:endParaRPr/>
+                    </a:p>
+                  </a:txBody>
+                  <a:tcPr/>
+                </a:tc>
+                <a:tc>
+                  <a:txBody>
+                    <a:bodyPr/>
+                    <a:p>
+                      <a:r>
+                        <a:rPr lang="es-MX">
+                          <a:latin typeface="Arial"/>
+                        </a:rPr>
+                        <a:t>30/11/2015</a:t>
+                      </a:r>
+                      <a:endParaRPr/>
+                    </a:p>
+                  </a:txBody>
                   <a:tcPr/>
                 </a:tc>
               </a:tr>
@@ -7922,9 +8018,33 @@
                   <a:tcPr/>
                 </a:tc>
                 <a:tc>
-                  <a:tcPr/>
-                </a:tc>
-                <a:tc>
+                  <a:txBody>
+                    <a:bodyPr/>
+                    <a:p>
+                      <a:r>
+                        <a:rPr lang="es-MX">
+                          <a:latin typeface="Arial"/>
+                        </a:rPr>
+                        <a:t>30/11/2015</a:t>
+                      </a:r>
+                      <a:endParaRPr/>
+                    </a:p>
+                  </a:txBody>
+                  <a:tcPr/>
+                </a:tc>
+                <a:tc>
+                  <a:txBody>
+                    <a:bodyPr/>
+                    <a:p>
+                      <a:r>
+                        <a:rPr lang="es-MX">
+                          <a:latin typeface="Arial"/>
+                        </a:rPr>
+                        <a:t>30/11/2015</a:t>
+                      </a:r>
+                      <a:endParaRPr/>
+                    </a:p>
+                  </a:txBody>
                   <a:tcPr/>
                 </a:tc>
               </a:tr>
@@ -7945,9 +8065,33 @@
                   <a:tcPr/>
                 </a:tc>
                 <a:tc>
-                  <a:tcPr/>
-                </a:tc>
-                <a:tc>
+                  <a:txBody>
+                    <a:bodyPr/>
+                    <a:p>
+                      <a:r>
+                        <a:rPr lang="es-MX">
+                          <a:latin typeface="Arial"/>
+                        </a:rPr>
+                        <a:t>02/12/2015</a:t>
+                      </a:r>
+                      <a:endParaRPr/>
+                    </a:p>
+                  </a:txBody>
+                  <a:tcPr/>
+                </a:tc>
+                <a:tc>
+                  <a:txBody>
+                    <a:bodyPr/>
+                    <a:p>
+                      <a:r>
+                        <a:rPr lang="es-MX">
+                          <a:latin typeface="Arial"/>
+                        </a:rPr>
+                        <a:t>No recibida hasta la fecha</a:t>
+                      </a:r>
+                      <a:endParaRPr/>
+                    </a:p>
+                  </a:txBody>
                   <a:tcPr/>
                 </a:tc>
               </a:tr>
@@ -7968,9 +8112,33 @@
                   <a:tcPr/>
                 </a:tc>
                 <a:tc>
-                  <a:tcPr/>
-                </a:tc>
-                <a:tc>
+                  <a:txBody>
+                    <a:bodyPr/>
+                    <a:p>
+                      <a:r>
+                        <a:rPr lang="es-MX">
+                          <a:latin typeface="Arial"/>
+                        </a:rPr>
+                        <a:t>01/12/2015</a:t>
+                      </a:r>
+                      <a:endParaRPr/>
+                    </a:p>
+                  </a:txBody>
+                  <a:tcPr/>
+                </a:tc>
+                <a:tc>
+                  <a:txBody>
+                    <a:bodyPr/>
+                    <a:p>
+                      <a:r>
+                        <a:rPr lang="es-MX">
+                          <a:latin typeface="Arial"/>
+                        </a:rPr>
+                        <a:t>01/12/2015</a:t>
+                      </a:r>
+                      <a:endParaRPr/>
+                    </a:p>
+                  </a:txBody>
                   <a:tcPr/>
                 </a:tc>
               </a:tr>
@@ -7991,9 +8159,33 @@
                   <a:tcPr/>
                 </a:tc>
                 <a:tc>
-                  <a:tcPr/>
-                </a:tc>
-                <a:tc>
+                  <a:txBody>
+                    <a:bodyPr/>
+                    <a:p>
+                      <a:r>
+                        <a:rPr lang="es-MX">
+                          <a:latin typeface="Arial"/>
+                        </a:rPr>
+                        <a:t>07/12/2015</a:t>
+                      </a:r>
+                      <a:endParaRPr/>
+                    </a:p>
+                  </a:txBody>
+                  <a:tcPr/>
+                </a:tc>
+                <a:tc>
+                  <a:txBody>
+                    <a:bodyPr/>
+                    <a:p>
+                      <a:r>
+                        <a:rPr lang="es-MX">
+                          <a:latin typeface="Arial"/>
+                        </a:rPr>
+                        <a:t>07/12/2015</a:t>
+                      </a:r>
+                      <a:endParaRPr/>
+                    </a:p>
+                  </a:txBody>
                   <a:tcPr/>
                 </a:tc>
               </a:tr>
@@ -8014,9 +8206,33 @@
                   <a:tcPr/>
                 </a:tc>
                 <a:tc>
-                  <a:tcPr/>
-                </a:tc>
-                <a:tc>
+                  <a:txBody>
+                    <a:bodyPr/>
+                    <a:p>
+                      <a:r>
+                        <a:rPr lang="es-MX">
+                          <a:latin typeface="Arial"/>
+                        </a:rPr>
+                        <a:t>02/12/2015</a:t>
+                      </a:r>
+                      <a:endParaRPr/>
+                    </a:p>
+                  </a:txBody>
+                  <a:tcPr/>
+                </a:tc>
+                <a:tc>
+                  <a:txBody>
+                    <a:bodyPr/>
+                    <a:p>
+                      <a:r>
+                        <a:rPr lang="es-MX">
+                          <a:latin typeface="Arial"/>
+                        </a:rPr>
+                        <a:t>No recibida hasta la fecha</a:t>
+                      </a:r>
+                      <a:endParaRPr/>
+                    </a:p>
+                  </a:txBody>
                   <a:tcPr/>
                 </a:tc>
               </a:tr>
@@ -8037,9 +8253,33 @@
                   <a:tcPr/>
                 </a:tc>
                 <a:tc>
-                  <a:tcPr/>
-                </a:tc>
-                <a:tc>
+                  <a:txBody>
+                    <a:bodyPr/>
+                    <a:p>
+                      <a:r>
+                        <a:rPr lang="es-MX">
+                          <a:latin typeface="Arial"/>
+                        </a:rPr>
+                        <a:t>30/11/2015</a:t>
+                      </a:r>
+                      <a:endParaRPr/>
+                    </a:p>
+                  </a:txBody>
+                  <a:tcPr/>
+                </a:tc>
+                <a:tc>
+                  <a:txBody>
+                    <a:bodyPr/>
+                    <a:p>
+                      <a:r>
+                        <a:rPr lang="es-MX">
+                          <a:latin typeface="Arial"/>
+                        </a:rPr>
+                        <a:t>30/11/2015</a:t>
+                      </a:r>
+                      <a:endParaRPr/>
+                    </a:p>
+                  </a:txBody>
                   <a:tcPr/>
                 </a:tc>
               </a:tr>
@@ -8060,9 +8300,33 @@
                   <a:tcPr/>
                 </a:tc>
                 <a:tc>
-                  <a:tcPr/>
-                </a:tc>
-                <a:tc>
+                  <a:txBody>
+                    <a:bodyPr/>
+                    <a:p>
+                      <a:r>
+                        <a:rPr lang="es-MX">
+                          <a:latin typeface="Arial"/>
+                        </a:rPr>
+                        <a:t>30/11/2015</a:t>
+                      </a:r>
+                      <a:endParaRPr/>
+                    </a:p>
+                  </a:txBody>
+                  <a:tcPr/>
+                </a:tc>
+                <a:tc>
+                  <a:txBody>
+                    <a:bodyPr/>
+                    <a:p>
+                      <a:r>
+                        <a:rPr lang="es-MX">
+                          <a:latin typeface="Arial"/>
+                        </a:rPr>
+                        <a:t>30/11/2015</a:t>
+                      </a:r>
+                      <a:endParaRPr/>
+                    </a:p>
+                  </a:txBody>
                   <a:tcPr/>
                 </a:tc>
               </a:tr>
@@ -8083,9 +8347,33 @@
                   <a:tcPr/>
                 </a:tc>
                 <a:tc>
-                  <a:tcPr/>
-                </a:tc>
-                <a:tc>
+                  <a:txBody>
+                    <a:bodyPr/>
+                    <a:p>
+                      <a:r>
+                        <a:rPr lang="es-MX">
+                          <a:latin typeface="Arial"/>
+                        </a:rPr>
+                        <a:t>11/12/2015</a:t>
+                      </a:r>
+                      <a:endParaRPr/>
+                    </a:p>
+                  </a:txBody>
+                  <a:tcPr/>
+                </a:tc>
+                <a:tc>
+                  <a:txBody>
+                    <a:bodyPr/>
+                    <a:p>
+                      <a:r>
+                        <a:rPr lang="es-MX">
+                          <a:latin typeface="Arial"/>
+                        </a:rPr>
+                        <a:t>17/12/2015</a:t>
+                      </a:r>
+                      <a:endParaRPr/>
+                    </a:p>
+                  </a:txBody>
                   <a:tcPr/>
                 </a:tc>
               </a:tr>
@@ -9418,17 +9706,17 @@
           <p:nvPr/>
         </p:nvGraphicFramePr>
         <p:xfrm>
-          <a:off x="1522080" y="830160"/>
-          <a:ext cx="6093720" cy="5957280"/>
+          <a:off x="457200" y="830160"/>
+          <a:ext cx="8326440" cy="5626800"/>
         </p:xfrm>
         <a:graphic>
           <a:graphicData uri="http://schemas.openxmlformats.org/drawingml/2006/table">
             <a:tbl>
               <a:tblPr/>
               <a:tblGrid>
-                <a:gridCol w="1806480"/>
-                <a:gridCol w="1806480"/>
-                <a:gridCol w="2030400"/>
+                <a:gridCol w="2665080"/>
+                <a:gridCol w="2665080"/>
+                <a:gridCol w="2996280"/>
               </a:tblGrid>
               <a:tr h="346320">
                 <a:tc>
@@ -9518,9 +9806,33 @@
                   <a:tcPr/>
                 </a:tc>
                 <a:tc>
-                  <a:tcPr/>
-                </a:tc>
-                <a:tc>
+                  <a:txBody>
+                    <a:bodyPr/>
+                    <a:p>
+                      <a:r>
+                        <a:rPr lang="es-MX">
+                          <a:latin typeface="Arial"/>
+                        </a:rPr>
+                        <a:t>30/11/2015</a:t>
+                      </a:r>
+                      <a:endParaRPr/>
+                    </a:p>
+                  </a:txBody>
+                  <a:tcPr/>
+                </a:tc>
+                <a:tc>
+                  <a:txBody>
+                    <a:bodyPr/>
+                    <a:p>
+                      <a:r>
+                        <a:rPr lang="es-MX">
+                          <a:latin typeface="Arial"/>
+                        </a:rPr>
+                        <a:t>30/11/2015</a:t>
+                      </a:r>
+                      <a:endParaRPr/>
+                    </a:p>
+                  </a:txBody>
                   <a:tcPr/>
                 </a:tc>
               </a:tr>
@@ -9541,9 +9853,33 @@
                   <a:tcPr/>
                 </a:tc>
                 <a:tc>
-                  <a:tcPr/>
-                </a:tc>
-                <a:tc>
+                  <a:txBody>
+                    <a:bodyPr/>
+                    <a:p>
+                      <a:r>
+                        <a:rPr lang="es-MX">
+                          <a:latin typeface="Arial"/>
+                        </a:rPr>
+                        <a:t>30/11/2015</a:t>
+                      </a:r>
+                      <a:endParaRPr/>
+                    </a:p>
+                  </a:txBody>
+                  <a:tcPr/>
+                </a:tc>
+                <a:tc>
+                  <a:txBody>
+                    <a:bodyPr/>
+                    <a:p>
+                      <a:r>
+                        <a:rPr lang="es-MX">
+                          <a:latin typeface="Arial"/>
+                        </a:rPr>
+                        <a:t>30/11/2015</a:t>
+                      </a:r>
+                      <a:endParaRPr/>
+                    </a:p>
+                  </a:txBody>
                   <a:tcPr/>
                 </a:tc>
               </a:tr>
@@ -9564,9 +9900,33 @@
                   <a:tcPr/>
                 </a:tc>
                 <a:tc>
-                  <a:tcPr/>
-                </a:tc>
-                <a:tc>
+                  <a:txBody>
+                    <a:bodyPr/>
+                    <a:p>
+                      <a:r>
+                        <a:rPr lang="es-MX">
+                          <a:latin typeface="Arial"/>
+                        </a:rPr>
+                        <a:t>15/12/2015</a:t>
+                      </a:r>
+                      <a:endParaRPr/>
+                    </a:p>
+                  </a:txBody>
+                  <a:tcPr/>
+                </a:tc>
+                <a:tc>
+                  <a:txBody>
+                    <a:bodyPr/>
+                    <a:p>
+                      <a:r>
+                        <a:rPr lang="es-MX">
+                          <a:latin typeface="Arial"/>
+                        </a:rPr>
+                        <a:t>El cliente no envío la carta de aceptación después de 6 notificaciones</a:t>
+                      </a:r>
+                      <a:endParaRPr/>
+                    </a:p>
+                  </a:txBody>
                   <a:tcPr/>
                 </a:tc>
               </a:tr>
@@ -9587,9 +9947,33 @@
                   <a:tcPr/>
                 </a:tc>
                 <a:tc>
-                  <a:tcPr/>
-                </a:tc>
-                <a:tc>
+                  <a:txBody>
+                    <a:bodyPr/>
+                    <a:p>
+                      <a:r>
+                        <a:rPr lang="es-MX">
+                          <a:latin typeface="Arial"/>
+                        </a:rPr>
+                        <a:t>01/12/2015</a:t>
+                      </a:r>
+                      <a:endParaRPr/>
+                    </a:p>
+                  </a:txBody>
+                  <a:tcPr/>
+                </a:tc>
+                <a:tc>
+                  <a:txBody>
+                    <a:bodyPr/>
+                    <a:p>
+                      <a:r>
+                        <a:rPr lang="es-MX">
+                          <a:latin typeface="Arial"/>
+                        </a:rPr>
+                        <a:t>03/12/2015</a:t>
+                      </a:r>
+                      <a:endParaRPr/>
+                    </a:p>
+                  </a:txBody>
                   <a:tcPr/>
                 </a:tc>
               </a:tr>
@@ -9610,9 +9994,33 @@
                   <a:tcPr/>
                 </a:tc>
                 <a:tc>
-                  <a:tcPr/>
-                </a:tc>
-                <a:tc>
+                  <a:txBody>
+                    <a:bodyPr/>
+                    <a:p>
+                      <a:r>
+                        <a:rPr lang="es-MX">
+                          <a:latin typeface="Arial"/>
+                        </a:rPr>
+                        <a:t>07/12/2015</a:t>
+                      </a:r>
+                      <a:endParaRPr/>
+                    </a:p>
+                  </a:txBody>
+                  <a:tcPr/>
+                </a:tc>
+                <a:tc>
+                  <a:txBody>
+                    <a:bodyPr/>
+                    <a:p>
+                      <a:r>
+                        <a:rPr lang="es-MX">
+                          <a:latin typeface="Arial"/>
+                        </a:rPr>
+                        <a:t>07/12/2015</a:t>
+                      </a:r>
+                      <a:endParaRPr/>
+                    </a:p>
+                  </a:txBody>
                   <a:tcPr/>
                 </a:tc>
               </a:tr>
@@ -9633,9 +10041,33 @@
                   <a:tcPr/>
                 </a:tc>
                 <a:tc>
-                  <a:tcPr/>
-                </a:tc>
-                <a:tc>
+                  <a:txBody>
+                    <a:bodyPr/>
+                    <a:p>
+                      <a:r>
+                        <a:rPr lang="es-MX">
+                          <a:latin typeface="Arial"/>
+                        </a:rPr>
+                        <a:t>02/12/2015</a:t>
+                      </a:r>
+                      <a:endParaRPr/>
+                    </a:p>
+                  </a:txBody>
+                  <a:tcPr/>
+                </a:tc>
+                <a:tc>
+                  <a:txBody>
+                    <a:bodyPr/>
+                    <a:p>
+                      <a:r>
+                        <a:rPr lang="es-MX">
+                          <a:latin typeface="Arial"/>
+                        </a:rPr>
+                        <a:t>No recibida hasta la fecha</a:t>
+                      </a:r>
+                      <a:endParaRPr/>
+                    </a:p>
+                  </a:txBody>
                   <a:tcPr/>
                 </a:tc>
               </a:tr>
@@ -9648,17 +10080,41 @@
                         <a:rPr lang="es-MX" sz="1500" strike="noStrike">
                           <a:latin typeface="Times New Roman"/>
                         </a:rPr>
-                        <a:t>P1336  - Ventas</a:t>
-                      </a:r>
-                      <a:endParaRPr/>
-                    </a:p>
-                  </a:txBody>
-                  <a:tcPr/>
-                </a:tc>
-                <a:tc>
-                  <a:tcPr/>
-                </a:tc>
-                <a:tc>
+                        <a:t>P1336  - Ventas G</a:t>
+                      </a:r>
+                      <a:endParaRPr/>
+                    </a:p>
+                  </a:txBody>
+                  <a:tcPr/>
+                </a:tc>
+                <a:tc>
+                  <a:txBody>
+                    <a:bodyPr/>
+                    <a:p>
+                      <a:r>
+                        <a:rPr lang="es-MX">
+                          <a:latin typeface="Arial"/>
+                        </a:rPr>
+                        <a:t>20/11/2015</a:t>
+                      </a:r>
+                      <a:endParaRPr/>
+                    </a:p>
+                  </a:txBody>
+                  <a:tcPr/>
+                </a:tc>
+                <a:tc>
+                  <a:txBody>
+                    <a:bodyPr/>
+                    <a:p>
+                      <a:r>
+                        <a:rPr lang="es-MX">
+                          <a:latin typeface="Arial"/>
+                        </a:rPr>
+                        <a:t>20/11/2015</a:t>
+                      </a:r>
+                      <a:endParaRPr/>
+                    </a:p>
+                  </a:txBody>
                   <a:tcPr/>
                 </a:tc>
               </a:tr>
@@ -9679,9 +10135,33 @@
                   <a:tcPr/>
                 </a:tc>
                 <a:tc>
-                  <a:tcPr/>
-                </a:tc>
-                <a:tc>
+                  <a:txBody>
+                    <a:bodyPr/>
+                    <a:p>
+                      <a:r>
+                        <a:rPr lang="es-MX">
+                          <a:latin typeface="Arial"/>
+                        </a:rPr>
+                        <a:t>20/11/2015</a:t>
+                      </a:r>
+                      <a:endParaRPr/>
+                    </a:p>
+                  </a:txBody>
+                  <a:tcPr/>
+                </a:tc>
+                <a:tc>
+                  <a:txBody>
+                    <a:bodyPr/>
+                    <a:p>
+                      <a:r>
+                        <a:rPr lang="es-MX">
+                          <a:latin typeface="Arial"/>
+                        </a:rPr>
+                        <a:t>20/11/2015</a:t>
+                      </a:r>
+                      <a:endParaRPr/>
+                    </a:p>
+                  </a:txBody>
                   <a:tcPr/>
                 </a:tc>
               </a:tr>
@@ -9702,9 +10182,33 @@
                   <a:tcPr/>
                 </a:tc>
                 <a:tc>
-                  <a:tcPr/>
-                </a:tc>
-                <a:tc>
+                  <a:txBody>
+                    <a:bodyPr/>
+                    <a:p>
+                      <a:r>
+                        <a:rPr lang="es-MX">
+                          <a:latin typeface="Arial"/>
+                        </a:rPr>
+                        <a:t>11/11/2015</a:t>
+                      </a:r>
+                      <a:endParaRPr/>
+                    </a:p>
+                  </a:txBody>
+                  <a:tcPr/>
+                </a:tc>
+                <a:tc>
+                  <a:txBody>
+                    <a:bodyPr/>
+                    <a:p>
+                      <a:r>
+                        <a:rPr lang="es-MX">
+                          <a:latin typeface="Arial"/>
+                        </a:rPr>
+                        <a:t>Después de 6 notificaciones el cliente no ha enviado la carta de aceptación</a:t>
+                      </a:r>
+                      <a:endParaRPr/>
+                    </a:p>
+                  </a:txBody>
                   <a:tcPr/>
                 </a:tc>
               </a:tr>
@@ -9725,9 +10229,33 @@
                   <a:tcPr/>
                 </a:tc>
                 <a:tc>
-                  <a:tcPr/>
-                </a:tc>
-                <a:tc>
+                  <a:txBody>
+                    <a:bodyPr/>
+                    <a:p>
+                      <a:r>
+                        <a:rPr lang="es-MX">
+                          <a:latin typeface="Arial"/>
+                        </a:rPr>
+                        <a:t>07/12/2015</a:t>
+                      </a:r>
+                      <a:endParaRPr/>
+                    </a:p>
+                  </a:txBody>
+                  <a:tcPr/>
+                </a:tc>
+                <a:tc>
+                  <a:txBody>
+                    <a:bodyPr/>
+                    <a:p>
+                      <a:r>
+                        <a:rPr lang="es-MX">
+                          <a:latin typeface="Arial"/>
+                        </a:rPr>
+                        <a:t>07/12/2015</a:t>
+                      </a:r>
+                      <a:endParaRPr/>
+                    </a:p>
+                  </a:txBody>
                   <a:tcPr/>
                 </a:tc>
               </a:tr>
@@ -9748,9 +10276,33 @@
                   <a:tcPr/>
                 </a:tc>
                 <a:tc>
-                  <a:tcPr/>
-                </a:tc>
-                <a:tc>
+                  <a:txBody>
+                    <a:bodyPr/>
+                    <a:p>
+                      <a:r>
+                        <a:rPr lang="es-MX">
+                          <a:latin typeface="Arial"/>
+                        </a:rPr>
+                        <a:t>14/12/2015</a:t>
+                      </a:r>
+                      <a:endParaRPr/>
+                    </a:p>
+                  </a:txBody>
+                  <a:tcPr/>
+                </a:tc>
+                <a:tc>
+                  <a:txBody>
+                    <a:bodyPr/>
+                    <a:p>
+                      <a:r>
+                        <a:rPr lang="es-MX">
+                          <a:latin typeface="Arial"/>
+                        </a:rPr>
+                        <a:t>14/12/2015</a:t>
+                      </a:r>
+                      <a:endParaRPr/>
+                    </a:p>
+                  </a:txBody>
                   <a:tcPr/>
                 </a:tc>
               </a:tr>
@@ -9771,9 +10323,33 @@
                   <a:tcPr/>
                 </a:tc>
                 <a:tc>
-                  <a:tcPr/>
-                </a:tc>
-                <a:tc>
+                  <a:txBody>
+                    <a:bodyPr/>
+                    <a:p>
+                      <a:r>
+                        <a:rPr lang="es-MX">
+                          <a:latin typeface="Arial"/>
+                        </a:rPr>
+                        <a:t>10/12/2015</a:t>
+                      </a:r>
+                      <a:endParaRPr/>
+                    </a:p>
+                  </a:txBody>
+                  <a:tcPr/>
+                </a:tc>
+                <a:tc>
+                  <a:txBody>
+                    <a:bodyPr/>
+                    <a:p>
+                      <a:r>
+                        <a:rPr lang="es-MX">
+                          <a:latin typeface="Arial"/>
+                        </a:rPr>
+                        <a:t>10/12/2015</a:t>
+                      </a:r>
+                      <a:endParaRPr/>
+                    </a:p>
+                  </a:txBody>
                   <a:tcPr/>
                 </a:tc>
               </a:tr>
@@ -9928,17 +10504,17 @@
           <p:nvPr/>
         </p:nvGraphicFramePr>
         <p:xfrm>
-          <a:off x="1522080" y="830160"/>
-          <a:ext cx="6093720" cy="5957280"/>
+          <a:off x="0" y="830160"/>
+          <a:ext cx="9143640" cy="5542920"/>
         </p:xfrm>
         <a:graphic>
           <a:graphicData uri="http://schemas.openxmlformats.org/drawingml/2006/table">
             <a:tbl>
               <a:tblPr/>
               <a:tblGrid>
-                <a:gridCol w="1806480"/>
-                <a:gridCol w="1806480"/>
-                <a:gridCol w="2030400"/>
+                <a:gridCol w="2926800"/>
+                <a:gridCol w="2926800"/>
+                <a:gridCol w="3290040"/>
               </a:tblGrid>
               <a:tr h="346320">
                 <a:tc>
@@ -10020,17 +10596,41 @@
                         <a:rPr lang="es-MX" sz="1500" strike="noStrike">
                           <a:latin typeface="Times New Roman"/>
                         </a:rPr>
-                        <a:t>P1370 – Venta</a:t>
-                      </a:r>
-                      <a:endParaRPr/>
-                    </a:p>
-                  </a:txBody>
-                  <a:tcPr/>
-                </a:tc>
-                <a:tc>
-                  <a:tcPr/>
-                </a:tc>
-                <a:tc>
+                        <a:t>P1370 – Venta G</a:t>
+                      </a:r>
+                      <a:endParaRPr/>
+                    </a:p>
+                  </a:txBody>
+                  <a:tcPr/>
+                </a:tc>
+                <a:tc>
+                  <a:txBody>
+                    <a:bodyPr/>
+                    <a:p>
+                      <a:r>
+                        <a:rPr lang="es-MX">
+                          <a:latin typeface="Arial"/>
+                        </a:rPr>
+                        <a:t>07/12/2015</a:t>
+                      </a:r>
+                      <a:endParaRPr/>
+                    </a:p>
+                  </a:txBody>
+                  <a:tcPr/>
+                </a:tc>
+                <a:tc>
+                  <a:txBody>
+                    <a:bodyPr/>
+                    <a:p>
+                      <a:r>
+                        <a:rPr lang="es-MX" sz="1000">
+                          <a:latin typeface="Calibri"/>
+                        </a:rPr>
+                        <a:t>08/12/2015</a:t>
+                      </a:r>
+                      <a:endParaRPr/>
+                    </a:p>
+                  </a:txBody>
                   <a:tcPr/>
                 </a:tc>
               </a:tr>
@@ -10051,9 +10651,33 @@
                   <a:tcPr/>
                 </a:tc>
                 <a:tc>
-                  <a:tcPr/>
-                </a:tc>
-                <a:tc>
+                  <a:txBody>
+                    <a:bodyPr/>
+                    <a:p>
+                      <a:r>
+                        <a:rPr lang="es-MX">
+                          <a:latin typeface="Arial"/>
+                        </a:rPr>
+                        <a:t>14/12/2015</a:t>
+                      </a:r>
+                      <a:endParaRPr/>
+                    </a:p>
+                  </a:txBody>
+                  <a:tcPr/>
+                </a:tc>
+                <a:tc>
+                  <a:txBody>
+                    <a:bodyPr/>
+                    <a:p>
+                      <a:r>
+                        <a:rPr lang="es-MX">
+                          <a:latin typeface="Arial"/>
+                        </a:rPr>
+                        <a:t>14/12/2015</a:t>
+                      </a:r>
+                      <a:endParaRPr/>
+                    </a:p>
+                  </a:txBody>
                   <a:tcPr/>
                 </a:tc>
               </a:tr>
@@ -10074,9 +10698,33 @@
                   <a:tcPr/>
                 </a:tc>
                 <a:tc>
-                  <a:tcPr/>
-                </a:tc>
-                <a:tc>
+                  <a:txBody>
+                    <a:bodyPr/>
+                    <a:p>
+                      <a:r>
+                        <a:rPr lang="es-MX">
+                          <a:latin typeface="Arial"/>
+                        </a:rPr>
+                        <a:t>10/12/2015</a:t>
+                      </a:r>
+                      <a:endParaRPr/>
+                    </a:p>
+                  </a:txBody>
+                  <a:tcPr/>
+                </a:tc>
+                <a:tc>
+                  <a:txBody>
+                    <a:bodyPr/>
+                    <a:p>
+                      <a:r>
+                        <a:rPr lang="es-MX">
+                          <a:latin typeface="Arial"/>
+                        </a:rPr>
+                        <a:t>10/12/2015</a:t>
+                      </a:r>
+                      <a:endParaRPr/>
+                    </a:p>
+                  </a:txBody>
                   <a:tcPr/>
                 </a:tc>
               </a:tr>
@@ -10089,17 +10737,41 @@
                         <a:rPr lang="es-MX" sz="1500" strike="noStrike">
                           <a:latin typeface="Times New Roman"/>
                         </a:rPr>
-                        <a:t>P1371 - Ventas</a:t>
-                      </a:r>
-                      <a:endParaRPr/>
-                    </a:p>
-                  </a:txBody>
-                  <a:tcPr/>
-                </a:tc>
-                <a:tc>
-                  <a:tcPr/>
-                </a:tc>
-                <a:tc>
+                        <a:t>P1371 – VentasG </a:t>
+                      </a:r>
+                      <a:endParaRPr/>
+                    </a:p>
+                  </a:txBody>
+                  <a:tcPr/>
+                </a:tc>
+                <a:tc>
+                  <a:txBody>
+                    <a:bodyPr/>
+                    <a:p>
+                      <a:r>
+                        <a:rPr lang="es-MX">
+                          <a:latin typeface="Arial"/>
+                        </a:rPr>
+                        <a:t>09/12/2015</a:t>
+                      </a:r>
+                      <a:endParaRPr/>
+                    </a:p>
+                  </a:txBody>
+                  <a:tcPr/>
+                </a:tc>
+                <a:tc>
+                  <a:txBody>
+                    <a:bodyPr/>
+                    <a:p>
+                      <a:r>
+                        <a:rPr lang="es-MX">
+                          <a:latin typeface="Arial"/>
+                        </a:rPr>
+                        <a:t>09/12/2015</a:t>
+                      </a:r>
+                      <a:endParaRPr/>
+                    </a:p>
+                  </a:txBody>
                   <a:tcPr/>
                 </a:tc>
               </a:tr>
@@ -10120,9 +10792,33 @@
                   <a:tcPr/>
                 </a:tc>
                 <a:tc>
-                  <a:tcPr/>
-                </a:tc>
-                <a:tc>
+                  <a:txBody>
+                    <a:bodyPr/>
+                    <a:p>
+                      <a:r>
+                        <a:rPr lang="es-MX">
+                          <a:latin typeface="Arial"/>
+                        </a:rPr>
+                        <a:t>09/12/2015</a:t>
+                      </a:r>
+                      <a:endParaRPr/>
+                    </a:p>
+                  </a:txBody>
+                  <a:tcPr/>
+                </a:tc>
+                <a:tc>
+                  <a:txBody>
+                    <a:bodyPr/>
+                    <a:p>
+                      <a:r>
+                        <a:rPr lang="es-MX">
+                          <a:latin typeface="Arial"/>
+                        </a:rPr>
+                        <a:t>14/12/2015</a:t>
+                      </a:r>
+                      <a:endParaRPr/>
+                    </a:p>
+                  </a:txBody>
                   <a:tcPr/>
                 </a:tc>
               </a:tr>
@@ -10143,9 +10839,33 @@
                   <a:tcPr/>
                 </a:tc>
                 <a:tc>
-                  <a:tcPr/>
-                </a:tc>
-                <a:tc>
+                  <a:txBody>
+                    <a:bodyPr/>
+                    <a:p>
+                      <a:r>
+                        <a:rPr lang="es-MX">
+                          <a:latin typeface="Arial"/>
+                        </a:rPr>
+                        <a:t>15/12/2015</a:t>
+                      </a:r>
+                      <a:endParaRPr/>
+                    </a:p>
+                  </a:txBody>
+                  <a:tcPr/>
+                </a:tc>
+                <a:tc>
+                  <a:txBody>
+                    <a:bodyPr/>
+                    <a:p>
+                      <a:r>
+                        <a:rPr lang="es-MX">
+                          <a:latin typeface="Arial"/>
+                        </a:rPr>
+                        <a:t>No ha entregado la carta de aceptación, se cierra el deal porque van varias notificaciones sin respuesta</a:t>
+                      </a:r>
+                      <a:endParaRPr/>
+                    </a:p>
+                  </a:txBody>
                   <a:tcPr/>
                 </a:tc>
               </a:tr>
@@ -10158,17 +10878,41 @@
                         <a:rPr lang="es-MX" sz="1500" strike="noStrike">
                           <a:latin typeface="Times New Roman"/>
                         </a:rPr>
-                        <a:t>P1367  - Ventas</a:t>
-                      </a:r>
-                      <a:endParaRPr/>
-                    </a:p>
-                  </a:txBody>
-                  <a:tcPr/>
-                </a:tc>
-                <a:tc>
-                  <a:tcPr/>
-                </a:tc>
-                <a:tc>
+                        <a:t>P1367  - Ventas G</a:t>
+                      </a:r>
+                      <a:endParaRPr/>
+                    </a:p>
+                  </a:txBody>
+                  <a:tcPr/>
+                </a:tc>
+                <a:tc>
+                  <a:txBody>
+                    <a:bodyPr/>
+                    <a:p>
+                      <a:r>
+                        <a:rPr lang="es-MX">
+                          <a:latin typeface="Arial"/>
+                        </a:rPr>
+                        <a:t>07/12/2015</a:t>
+                      </a:r>
+                      <a:endParaRPr/>
+                    </a:p>
+                  </a:txBody>
+                  <a:tcPr/>
+                </a:tc>
+                <a:tc>
+                  <a:txBody>
+                    <a:bodyPr/>
+                    <a:p>
+                      <a:r>
+                        <a:rPr lang="es-MX" sz="1000">
+                          <a:latin typeface="Calibri"/>
+                        </a:rPr>
+                        <a:t>09/12/2015</a:t>
+                      </a:r>
+                      <a:endParaRPr/>
+                    </a:p>
+                  </a:txBody>
                   <a:tcPr/>
                 </a:tc>
               </a:tr>
@@ -10189,9 +10933,33 @@
                   <a:tcPr/>
                 </a:tc>
                 <a:tc>
-                  <a:tcPr/>
-                </a:tc>
-                <a:tc>
+                  <a:txBody>
+                    <a:bodyPr/>
+                    <a:p>
+                      <a:r>
+                        <a:rPr lang="es-MX">
+                          <a:latin typeface="Arial"/>
+                        </a:rPr>
+                        <a:t>14/12/2015</a:t>
+                      </a:r>
+                      <a:endParaRPr/>
+                    </a:p>
+                  </a:txBody>
+                  <a:tcPr/>
+                </a:tc>
+                <a:tc>
+                  <a:txBody>
+                    <a:bodyPr/>
+                    <a:p>
+                      <a:r>
+                        <a:rPr lang="es-MX">
+                          <a:latin typeface="Arial"/>
+                        </a:rPr>
+                        <a:t>14/12/2015</a:t>
+                      </a:r>
+                      <a:endParaRPr/>
+                    </a:p>
+                  </a:txBody>
                   <a:tcPr/>
                 </a:tc>
               </a:tr>
@@ -10212,9 +10980,33 @@
                   <a:tcPr/>
                 </a:tc>
                 <a:tc>
-                  <a:tcPr/>
-                </a:tc>
-                <a:tc>
+                  <a:txBody>
+                    <a:bodyPr/>
+                    <a:p>
+                      <a:r>
+                        <a:rPr lang="es-MX">
+                          <a:latin typeface="Arial"/>
+                        </a:rPr>
+                        <a:t>07/12/2015</a:t>
+                      </a:r>
+                      <a:endParaRPr/>
+                    </a:p>
+                  </a:txBody>
+                  <a:tcPr/>
+                </a:tc>
+                <a:tc>
+                  <a:txBody>
+                    <a:bodyPr/>
+                    <a:p>
+                      <a:r>
+                        <a:rPr lang="es-MX">
+                          <a:latin typeface="Arial"/>
+                        </a:rPr>
+                        <a:t>No obtenido</a:t>
+                      </a:r>
+                      <a:endParaRPr/>
+                    </a:p>
+                  </a:txBody>
                   <a:tcPr/>
                 </a:tc>
               </a:tr>
@@ -10227,17 +11019,41 @@
                         <a:rPr lang="es-MX" sz="1500" strike="noStrike">
                           <a:latin typeface="Times New Roman"/>
                         </a:rPr>
-                        <a:t>P1365 - Venta</a:t>
-                      </a:r>
-                      <a:endParaRPr/>
-                    </a:p>
-                  </a:txBody>
-                  <a:tcPr/>
-                </a:tc>
-                <a:tc>
-                  <a:tcPr/>
-                </a:tc>
-                <a:tc>
+                        <a:t>P1365 – Venta G</a:t>
+                      </a:r>
+                      <a:endParaRPr/>
+                    </a:p>
+                  </a:txBody>
+                  <a:tcPr/>
+                </a:tc>
+                <a:tc>
+                  <a:txBody>
+                    <a:bodyPr/>
+                    <a:p>
+                      <a:r>
+                        <a:rPr lang="es-MX">
+                          <a:latin typeface="Arial"/>
+                        </a:rPr>
+                        <a:t>27/11/2015</a:t>
+                      </a:r>
+                      <a:endParaRPr/>
+                    </a:p>
+                  </a:txBody>
+                  <a:tcPr/>
+                </a:tc>
+                <a:tc>
+                  <a:txBody>
+                    <a:bodyPr/>
+                    <a:p>
+                      <a:r>
+                        <a:rPr lang="es-MX">
+                          <a:latin typeface="Arial"/>
+                        </a:rPr>
+                        <a:t>07/12/2015</a:t>
+                      </a:r>
+                      <a:endParaRPr/>
+                    </a:p>
+                  </a:txBody>
                   <a:tcPr/>
                 </a:tc>
               </a:tr>
@@ -10258,9 +11074,33 @@
                   <a:tcPr/>
                 </a:tc>
                 <a:tc>
-                  <a:tcPr/>
-                </a:tc>
-                <a:tc>
+                  <a:txBody>
+                    <a:bodyPr/>
+                    <a:p>
+                      <a:r>
+                        <a:rPr lang="es-MX">
+                          <a:latin typeface="Arial"/>
+                        </a:rPr>
+                        <a:t>14/12/2015</a:t>
+                      </a:r>
+                      <a:endParaRPr/>
+                    </a:p>
+                  </a:txBody>
+                  <a:tcPr/>
+                </a:tc>
+                <a:tc>
+                  <a:txBody>
+                    <a:bodyPr/>
+                    <a:p>
+                      <a:r>
+                        <a:rPr lang="es-MX">
+                          <a:latin typeface="Arial"/>
+                        </a:rPr>
+                        <a:t>14/12/2015</a:t>
+                      </a:r>
+                      <a:endParaRPr/>
+                    </a:p>
+                  </a:txBody>
                   <a:tcPr/>
                 </a:tc>
               </a:tr>
@@ -10281,9 +11121,33 @@
                   <a:tcPr/>
                 </a:tc>
                 <a:tc>
-                  <a:tcPr/>
-                </a:tc>
-                <a:tc>
+                  <a:txBody>
+                    <a:bodyPr/>
+                    <a:p>
+                      <a:r>
+                        <a:rPr lang="es-MX">
+                          <a:latin typeface="Arial"/>
+                        </a:rPr>
+                        <a:t>10/12/2015</a:t>
+                      </a:r>
+                      <a:endParaRPr/>
+                    </a:p>
+                  </a:txBody>
+                  <a:tcPr/>
+                </a:tc>
+                <a:tc>
+                  <a:txBody>
+                    <a:bodyPr/>
+                    <a:p>
+                      <a:r>
+                        <a:rPr lang="es-MX">
+                          <a:latin typeface="Arial"/>
+                        </a:rPr>
+                        <a:t>sin respuesta</a:t>
+                      </a:r>
+                      <a:endParaRPr/>
+                    </a:p>
+                  </a:txBody>
                   <a:tcPr/>
                 </a:tc>
               </a:tr>
@@ -10530,17 +11394,41 @@
                         <a:rPr lang="es-MX" sz="1500" strike="noStrike">
                           <a:latin typeface="Times New Roman"/>
                         </a:rPr>
-                        <a:t>P1364 – Venta</a:t>
-                      </a:r>
-                      <a:endParaRPr/>
-                    </a:p>
-                  </a:txBody>
-                  <a:tcPr/>
-                </a:tc>
-                <a:tc>
-                  <a:tcPr/>
-                </a:tc>
-                <a:tc>
+                        <a:t>P1364 – Venta G</a:t>
+                      </a:r>
+                      <a:endParaRPr/>
+                    </a:p>
+                  </a:txBody>
+                  <a:tcPr/>
+                </a:tc>
+                <a:tc>
+                  <a:txBody>
+                    <a:bodyPr/>
+                    <a:p>
+                      <a:r>
+                        <a:rPr lang="es-MX">
+                          <a:latin typeface="Arial"/>
+                        </a:rPr>
+                        <a:t>04/12/2015</a:t>
+                      </a:r>
+                      <a:endParaRPr/>
+                    </a:p>
+                  </a:txBody>
+                  <a:tcPr/>
+                </a:tc>
+                <a:tc>
+                  <a:txBody>
+                    <a:bodyPr/>
+                    <a:p>
+                      <a:r>
+                        <a:rPr lang="es-MX">
+                          <a:latin typeface="Arial"/>
+                        </a:rPr>
+                        <a:t>04/12/2015</a:t>
+                      </a:r>
+                      <a:endParaRPr/>
+                    </a:p>
+                  </a:txBody>
                   <a:tcPr/>
                 </a:tc>
               </a:tr>
@@ -10561,9 +11449,33 @@
                   <a:tcPr/>
                 </a:tc>
                 <a:tc>
-                  <a:tcPr/>
-                </a:tc>
-                <a:tc>
+                  <a:txBody>
+                    <a:bodyPr/>
+                    <a:p>
+                      <a:r>
+                        <a:rPr lang="es-MX">
+                          <a:latin typeface="Arial"/>
+                        </a:rPr>
+                        <a:t>14/12/2015</a:t>
+                      </a:r>
+                      <a:endParaRPr/>
+                    </a:p>
+                  </a:txBody>
+                  <a:tcPr/>
+                </a:tc>
+                <a:tc>
+                  <a:txBody>
+                    <a:bodyPr/>
+                    <a:p>
+                      <a:r>
+                        <a:rPr lang="es-MX">
+                          <a:latin typeface="Arial"/>
+                        </a:rPr>
+                        <a:t>14/12/2015</a:t>
+                      </a:r>
+                      <a:endParaRPr/>
+                    </a:p>
+                  </a:txBody>
                   <a:tcPr/>
                 </a:tc>
               </a:tr>
@@ -10584,9 +11496,33 @@
                   <a:tcPr/>
                 </a:tc>
                 <a:tc>
-                  <a:tcPr/>
-                </a:tc>
-                <a:tc>
+                  <a:txBody>
+                    <a:bodyPr/>
+                    <a:p>
+                      <a:r>
+                        <a:rPr lang="es-MX">
+                          <a:latin typeface="Arial"/>
+                        </a:rPr>
+                        <a:t>18/12/2015</a:t>
+                      </a:r>
+                      <a:endParaRPr/>
+                    </a:p>
+                  </a:txBody>
+                  <a:tcPr/>
+                </a:tc>
+                <a:tc>
+                  <a:txBody>
+                    <a:bodyPr/>
+                    <a:p>
+                      <a:r>
+                        <a:rPr lang="es-MX">
+                          <a:latin typeface="Arial"/>
+                        </a:rPr>
+                        <a:t>Sin respuesta</a:t>
+                      </a:r>
+                      <a:endParaRPr/>
+                    </a:p>
+                  </a:txBody>
                   <a:tcPr/>
                 </a:tc>
               </a:tr>
@@ -10595,21 +11531,49 @@
                   <a:txBody>
                     <a:bodyPr/>
                     <a:p>
+                      <a:pPr>
+                        <a:buFont typeface="StarSymbol"/>
+                        <a:buAutoNum type="arabicParenR"/>
+                      </a:pPr>
                       <a:r>
                         <a:rPr lang="es-MX" sz="1500" strike="noStrike">
                           <a:latin typeface="Times New Roman"/>
                         </a:rPr>
-                        <a:t>P1343 - Ventas</a:t>
-                      </a:r>
-                      <a:endParaRPr/>
-                    </a:p>
-                  </a:txBody>
-                  <a:tcPr/>
-                </a:tc>
-                <a:tc>
-                  <a:tcPr/>
-                </a:tc>
-                <a:tc>
+                        <a:t>P1343 – Ventas </a:t>
+                      </a:r>
+                      <a:endParaRPr/>
+                    </a:p>
+                  </a:txBody>
+                  <a:tcPr/>
+                </a:tc>
+                <a:tc>
+                  <a:txBody>
+                    <a:bodyPr/>
+                    <a:p>
+                      <a:r>
+                        <a:rPr lang="es-MX">
+                          <a:latin typeface="Arial"/>
+                        </a:rPr>
+                        <a:t>26/11/2015</a:t>
+                      </a:r>
+                      <a:endParaRPr/>
+                    </a:p>
+                  </a:txBody>
+                  <a:tcPr/>
+                </a:tc>
+                <a:tc>
+                  <a:txBody>
+                    <a:bodyPr/>
+                    <a:p>
+                      <a:r>
+                        <a:rPr lang="es-MX">
+                          <a:latin typeface="Arial"/>
+                        </a:rPr>
+                        <a:t>26/11/2015</a:t>
+                      </a:r>
+                      <a:endParaRPr/>
+                    </a:p>
+                  </a:txBody>
                   <a:tcPr/>
                 </a:tc>
               </a:tr>
@@ -10630,9 +11594,33 @@
                   <a:tcPr/>
                 </a:tc>
                 <a:tc>
-                  <a:tcPr/>
-                </a:tc>
-                <a:tc>
+                  <a:txBody>
+                    <a:bodyPr/>
+                    <a:p>
+                      <a:r>
+                        <a:rPr lang="es-MX">
+                          <a:latin typeface="Arial"/>
+                        </a:rPr>
+                        <a:t>26/11/2015</a:t>
+                      </a:r>
+                      <a:endParaRPr/>
+                    </a:p>
+                  </a:txBody>
+                  <a:tcPr/>
+                </a:tc>
+                <a:tc>
+                  <a:txBody>
+                    <a:bodyPr/>
+                    <a:p>
+                      <a:r>
+                        <a:rPr lang="es-MX">
+                          <a:latin typeface="Arial"/>
+                        </a:rPr>
+                        <a:t>26/11/2015</a:t>
+                      </a:r>
+                      <a:endParaRPr/>
+                    </a:p>
+                  </a:txBody>
                   <a:tcPr/>
                 </a:tc>
               </a:tr>
@@ -10653,9 +11641,33 @@
                   <a:tcPr/>
                 </a:tc>
                 <a:tc>
-                  <a:tcPr/>
-                </a:tc>
-                <a:tc>
+                  <a:txBody>
+                    <a:bodyPr/>
+                    <a:p>
+                      <a:r>
+                        <a:rPr lang="es-MX">
+                          <a:latin typeface="Arial"/>
+                        </a:rPr>
+                        <a:t>15/12/2015</a:t>
+                      </a:r>
+                      <a:endParaRPr/>
+                    </a:p>
+                  </a:txBody>
+                  <a:tcPr/>
+                </a:tc>
+                <a:tc>
+                  <a:txBody>
+                    <a:bodyPr/>
+                    <a:p>
+                      <a:r>
+                        <a:rPr lang="es-MX" sz="1500">
+                          <a:latin typeface="Times New Roman"/>
+                        </a:rPr>
+                        <a:t>Sin respuesta</a:t>
+                      </a:r>
+                      <a:endParaRPr/>
+                    </a:p>
+                  </a:txBody>
                   <a:tcPr/>
                 </a:tc>
               </a:tr>
@@ -10676,9 +11688,33 @@
                   <a:tcPr/>
                 </a:tc>
                 <a:tc>
-                  <a:tcPr/>
-                </a:tc>
-                <a:tc>
+                  <a:txBody>
+                    <a:bodyPr/>
+                    <a:p>
+                      <a:r>
+                        <a:rPr lang="es-MX">
+                          <a:latin typeface="Arial"/>
+                        </a:rPr>
+                        <a:t>30/11/2015</a:t>
+                      </a:r>
+                      <a:endParaRPr/>
+                    </a:p>
+                  </a:txBody>
+                  <a:tcPr/>
+                </a:tc>
+                <a:tc>
+                  <a:txBody>
+                    <a:bodyPr/>
+                    <a:p>
+                      <a:r>
+                        <a:rPr lang="es-MX">
+                          <a:latin typeface="Arial"/>
+                        </a:rPr>
+                        <a:t>30/11/2015</a:t>
+                      </a:r>
+                      <a:endParaRPr/>
+                    </a:p>
+                  </a:txBody>
                   <a:tcPr/>
                 </a:tc>
               </a:tr>
@@ -10699,9 +11735,33 @@
                   <a:tcPr/>
                 </a:tc>
                 <a:tc>
-                  <a:tcPr/>
-                </a:tc>
-                <a:tc>
+                  <a:txBody>
+                    <a:bodyPr/>
+                    <a:p>
+                      <a:r>
+                        <a:rPr lang="es-MX">
+                          <a:latin typeface="Arial"/>
+                        </a:rPr>
+                        <a:t>30/11/2015</a:t>
+                      </a:r>
+                      <a:endParaRPr/>
+                    </a:p>
+                  </a:txBody>
+                  <a:tcPr/>
+                </a:tc>
+                <a:tc>
+                  <a:txBody>
+                    <a:bodyPr/>
+                    <a:p>
+                      <a:r>
+                        <a:rPr lang="es-MX">
+                          <a:latin typeface="Arial"/>
+                        </a:rPr>
+                        <a:t>30/11/2015</a:t>
+                      </a:r>
+                      <a:endParaRPr/>
+                    </a:p>
+                  </a:txBody>
                   <a:tcPr/>
                 </a:tc>
               </a:tr>
@@ -10722,9 +11782,33 @@
                   <a:tcPr/>
                 </a:tc>
                 <a:tc>
-                  <a:tcPr/>
-                </a:tc>
-                <a:tc>
+                  <a:txBody>
+                    <a:bodyPr/>
+                    <a:p>
+                      <a:r>
+                        <a:rPr lang="es-MX">
+                          <a:latin typeface="Arial"/>
+                        </a:rPr>
+                        <a:t>15/12/2015</a:t>
+                      </a:r>
+                      <a:endParaRPr/>
+                    </a:p>
+                  </a:txBody>
+                  <a:tcPr/>
+                </a:tc>
+                <a:tc>
+                  <a:txBody>
+                    <a:bodyPr/>
+                    <a:p>
+                      <a:r>
+                        <a:rPr lang="es-MX" sz="1500">
+                          <a:latin typeface="Times New Roman"/>
+                        </a:rPr>
+                        <a:t>Sin respuesta</a:t>
+                      </a:r>
+                      <a:endParaRPr/>
+                    </a:p>
+                  </a:txBody>
                   <a:tcPr/>
                 </a:tc>
               </a:tr>
@@ -10737,17 +11821,41 @@
                         <a:rPr lang="es-MX" sz="1500" strike="noStrike">
                           <a:latin typeface="Times New Roman"/>
                         </a:rPr>
-                        <a:t>P1361 - Venta</a:t>
-                      </a:r>
-                      <a:endParaRPr/>
-                    </a:p>
-                  </a:txBody>
-                  <a:tcPr/>
-                </a:tc>
-                <a:tc>
-                  <a:tcPr/>
-                </a:tc>
-                <a:tc>
+                        <a:t>P1361 – Venta G</a:t>
+                      </a:r>
+                      <a:endParaRPr/>
+                    </a:p>
+                  </a:txBody>
+                  <a:tcPr/>
+                </a:tc>
+                <a:tc>
+                  <a:txBody>
+                    <a:bodyPr/>
+                    <a:p>
+                      <a:r>
+                        <a:rPr lang="es-MX">
+                          <a:latin typeface="Arial"/>
+                        </a:rPr>
+                        <a:t>30/11/2015</a:t>
+                      </a:r>
+                      <a:endParaRPr/>
+                    </a:p>
+                  </a:txBody>
+                  <a:tcPr/>
+                </a:tc>
+                <a:tc>
+                  <a:txBody>
+                    <a:bodyPr/>
+                    <a:p>
+                      <a:r>
+                        <a:rPr lang="es-MX">
+                          <a:latin typeface="Arial"/>
+                        </a:rPr>
+                        <a:t>04/12/2015</a:t>
+                      </a:r>
+                      <a:endParaRPr/>
+                    </a:p>
+                  </a:txBody>
                   <a:tcPr/>
                 </a:tc>
               </a:tr>
@@ -10768,9 +11876,33 @@
                   <a:tcPr/>
                 </a:tc>
                 <a:tc>
-                  <a:tcPr/>
-                </a:tc>
-                <a:tc>
+                  <a:txBody>
+                    <a:bodyPr/>
+                    <a:p>
+                      <a:r>
+                        <a:rPr lang="es-MX">
+                          <a:latin typeface="Arial"/>
+                        </a:rPr>
+                        <a:t>14/12/2015</a:t>
+                      </a:r>
+                      <a:endParaRPr/>
+                    </a:p>
+                  </a:txBody>
+                  <a:tcPr/>
+                </a:tc>
+                <a:tc>
+                  <a:txBody>
+                    <a:bodyPr/>
+                    <a:p>
+                      <a:r>
+                        <a:rPr lang="es-MX">
+                          <a:latin typeface="Arial"/>
+                        </a:rPr>
+                        <a:t>14/12/2015</a:t>
+                      </a:r>
+                      <a:endParaRPr/>
+                    </a:p>
+                  </a:txBody>
                   <a:tcPr/>
                 </a:tc>
               </a:tr>
@@ -10791,9 +11923,33 @@
                   <a:tcPr/>
                 </a:tc>
                 <a:tc>
-                  <a:tcPr/>
-                </a:tc>
-                <a:tc>
+                  <a:txBody>
+                    <a:bodyPr/>
+                    <a:p>
+                      <a:r>
+                        <a:rPr lang="es-MX">
+                          <a:latin typeface="Arial"/>
+                        </a:rPr>
+                        <a:t>08/12/2015</a:t>
+                      </a:r>
+                      <a:endParaRPr/>
+                    </a:p>
+                  </a:txBody>
+                  <a:tcPr/>
+                </a:tc>
+                <a:tc>
+                  <a:txBody>
+                    <a:bodyPr/>
+                    <a:p>
+                      <a:r>
+                        <a:rPr lang="es-MX">
+                          <a:latin typeface="Arial"/>
+                        </a:rPr>
+                        <a:t>10/12/2015</a:t>
+                      </a:r>
+                      <a:endParaRPr/>
+                    </a:p>
+                  </a:txBody>
                   <a:tcPr/>
                 </a:tc>
               </a:tr>
@@ -11117,9 +12273,33 @@
                   <a:tcPr/>
                 </a:tc>
                 <a:tc>
-                  <a:tcPr/>
-                </a:tc>
-                <a:tc>
+                  <a:txBody>
+                    <a:bodyPr/>
+                    <a:p>
+                      <a:r>
+                        <a:rPr lang="es-MX">
+                          <a:latin typeface="Arial"/>
+                        </a:rPr>
+                        <a:t>30/11/2015</a:t>
+                      </a:r>
+                      <a:endParaRPr/>
+                    </a:p>
+                  </a:txBody>
+                  <a:tcPr/>
+                </a:tc>
+                <a:tc>
+                  <a:txBody>
+                    <a:bodyPr/>
+                    <a:p>
+                      <a:r>
+                        <a:rPr lang="es-MX">
+                          <a:latin typeface="Arial"/>
+                        </a:rPr>
+                        <a:t>30/11/2015</a:t>
+                      </a:r>
+                      <a:endParaRPr/>
+                    </a:p>
+                  </a:txBody>
                   <a:tcPr/>
                 </a:tc>
               </a:tr>
@@ -11140,9 +12320,33 @@
                   <a:tcPr/>
                 </a:tc>
                 <a:tc>
-                  <a:tcPr/>
-                </a:tc>
-                <a:tc>
+                  <a:txBody>
+                    <a:bodyPr/>
+                    <a:p>
+                      <a:r>
+                        <a:rPr lang="es-MX">
+                          <a:latin typeface="Arial"/>
+                        </a:rPr>
+                        <a:t>30/11/2015</a:t>
+                      </a:r>
+                      <a:endParaRPr/>
+                    </a:p>
+                  </a:txBody>
+                  <a:tcPr/>
+                </a:tc>
+                <a:tc>
+                  <a:txBody>
+                    <a:bodyPr/>
+                    <a:p>
+                      <a:r>
+                        <a:rPr lang="es-MX">
+                          <a:latin typeface="Arial"/>
+                        </a:rPr>
+                        <a:t>30/11/2015</a:t>
+                      </a:r>
+                      <a:endParaRPr/>
+                    </a:p>
+                  </a:txBody>
                   <a:tcPr/>
                 </a:tc>
               </a:tr>
@@ -11163,9 +12367,33 @@
                   <a:tcPr/>
                 </a:tc>
                 <a:tc>
-                  <a:tcPr/>
-                </a:tc>
-                <a:tc>
+                  <a:txBody>
+                    <a:bodyPr/>
+                    <a:p>
+                      <a:r>
+                        <a:rPr lang="es-MX">
+                          <a:latin typeface="Arial"/>
+                        </a:rPr>
+                        <a:t>18/12/2015</a:t>
+                      </a:r>
+                      <a:endParaRPr/>
+                    </a:p>
+                  </a:txBody>
+                  <a:tcPr/>
+                </a:tc>
+                <a:tc>
+                  <a:txBody>
+                    <a:bodyPr/>
+                    <a:p>
+                      <a:r>
+                        <a:rPr lang="es-MX" sz="1500">
+                          <a:latin typeface="Times New Roman"/>
+                        </a:rPr>
+                        <a:t>No recibido</a:t>
+                      </a:r>
+                      <a:endParaRPr/>
+                    </a:p>
+                  </a:txBody>
                   <a:tcPr/>
                 </a:tc>
               </a:tr>
